--- a/downloads/关于对联的那些事.pptx
+++ b/downloads/关于对联的那些事.pptx
@@ -7750,22 +7750,115 @@
           <a:p>
             <a:r>
               <a:rPr lang="zh-CN" altLang="en-US" sz="4400">
+                <a:ln/>
+                <a:gradFill>
+                  <a:gsLst>
+                    <a:gs pos="0">
+                      <a:schemeClr val="accent5">
+                        <a:lumMod val="50000"/>
+                      </a:schemeClr>
+                    </a:gs>
+                    <a:gs pos="50000">
+                      <a:schemeClr val="accent5"/>
+                    </a:gs>
+                    <a:gs pos="100000">
+                      <a:schemeClr val="accent5">
+                        <a:lumMod val="60000"/>
+                        <a:lumOff val="40000"/>
+                      </a:schemeClr>
+                    </a:gs>
+                  </a:gsLst>
+                  <a:lin ang="5400000"/>
+                </a:gradFill>
+                <a:effectLst>
+                  <a:reflection blurRad="6350" stA="53000" endA="300" endPos="35500" dir="5400000" sy="-90000" algn="bl" rotWithShape="0"/>
+                </a:effectLst>
                 <a:latin typeface="楷体" panose="02010609060101010101" charset="-122"/>
                 <a:ea typeface="楷体" panose="02010609060101010101" charset="-122"/>
               </a:rPr>
               <a:t>燕剪春风裁柳绿</a:t>
             </a:r>
-            <a:endParaRPr lang="en-US" altLang="zh-CN" sz="4400"/>
+            <a:endParaRPr lang="en-US" altLang="zh-CN" sz="4400">
+              <a:ln/>
+              <a:gradFill>
+                <a:gsLst>
+                  <a:gs pos="0">
+                    <a:schemeClr val="accent5">
+                      <a:lumMod val="50000"/>
+                    </a:schemeClr>
+                  </a:gs>
+                  <a:gs pos="50000">
+                    <a:schemeClr val="accent5"/>
+                  </a:gs>
+                  <a:gs pos="100000">
+                    <a:schemeClr val="accent5">
+                      <a:lumMod val="60000"/>
+                      <a:lumOff val="40000"/>
+                    </a:schemeClr>
+                  </a:gs>
+                </a:gsLst>
+                <a:lin ang="5400000"/>
+              </a:gradFill>
+              <a:effectLst>
+                <a:reflection blurRad="6350" stA="53000" endA="300" endPos="35500" dir="5400000" sy="-90000" algn="bl" rotWithShape="0"/>
+              </a:effectLst>
+            </a:endParaRPr>
           </a:p>
           <a:p>
             <a:r>
               <a:rPr lang="zh-CN" altLang="en-US" sz="4400">
+                <a:ln/>
+                <a:gradFill>
+                  <a:gsLst>
+                    <a:gs pos="0">
+                      <a:schemeClr val="accent5">
+                        <a:lumMod val="50000"/>
+                      </a:schemeClr>
+                    </a:gs>
+                    <a:gs pos="50000">
+                      <a:schemeClr val="accent5"/>
+                    </a:gs>
+                    <a:gs pos="100000">
+                      <a:schemeClr val="accent5">
+                        <a:lumMod val="60000"/>
+                        <a:lumOff val="40000"/>
+                      </a:schemeClr>
+                    </a:gs>
+                  </a:gsLst>
+                  <a:lin ang="5400000"/>
+                </a:gradFill>
+                <a:effectLst>
+                  <a:reflection blurRad="6350" stA="53000" endA="300" endPos="35500" dir="5400000" sy="-90000" algn="bl" rotWithShape="0"/>
+                </a:effectLst>
                 <a:latin typeface="楷体" panose="02010609060101010101" charset="-122"/>
                 <a:ea typeface="楷体" panose="02010609060101010101" charset="-122"/>
               </a:rPr>
               <a:t>莺啼晓日映桃红</a:t>
             </a:r>
             <a:endParaRPr lang="zh-CN" altLang="en-US" sz="4400">
+              <a:ln/>
+              <a:gradFill>
+                <a:gsLst>
+                  <a:gs pos="0">
+                    <a:schemeClr val="accent5">
+                      <a:lumMod val="50000"/>
+                    </a:schemeClr>
+                  </a:gs>
+                  <a:gs pos="50000">
+                    <a:schemeClr val="accent5"/>
+                  </a:gs>
+                  <a:gs pos="100000">
+                    <a:schemeClr val="accent5">
+                      <a:lumMod val="60000"/>
+                      <a:lumOff val="40000"/>
+                    </a:schemeClr>
+                  </a:gs>
+                </a:gsLst>
+                <a:lin ang="5400000"/>
+              </a:gradFill>
+              <a:effectLst>
+                <a:reflection blurRad="6350" stA="53000" endA="300" endPos="35500" dir="5400000" sy="-90000" algn="bl" rotWithShape="0"/>
+              </a:effectLst>
               <a:latin typeface="楷体" panose="02010609060101010101" charset="-122"/>
               <a:ea typeface="楷体" panose="02010609060101010101" charset="-122"/>
             </a:endParaRPr>
@@ -9939,8 +10032,8 @@
         </p:nvSpPr>
         <p:spPr>
           <a:xfrm>
-            <a:off x="9666605" y="2613660"/>
-            <a:ext cx="1731645" cy="3830955"/>
+            <a:off x="10116820" y="3352165"/>
+            <a:ext cx="1731645" cy="3415030"/>
           </a:xfrm>
           <a:prstGeom prst="rect">
             <a:avLst/>
@@ -10153,38 +10246,22 @@
                 <a:spcPct val="150000"/>
               </a:lnSpc>
             </a:pPr>
-            <a:endParaRPr lang="zh-CN" altLang="en-US">
-              <a:solidFill>
-                <a:schemeClr val="bg2">
-                  <a:lumMod val="50000"/>
-                </a:schemeClr>
-              </a:solidFill>
-              <a:latin typeface="阿里巴巴普惠体 3.0 45 Light" panose="00020600040101010101" charset="-122"/>
-              <a:ea typeface="阿里巴巴普惠体 3.0 45 Light" panose="00020600040101010101" charset="-122"/>
-            </a:endParaRPr>
-          </a:p>
-          <a:p>
-            <a:pPr algn="ctr">
-              <a:lnSpc>
-                <a:spcPct val="150000"/>
-              </a:lnSpc>
-            </a:pPr>
             <a:r>
               <a:rPr lang="zh-CN" altLang="en-US">
                 <a:solidFill>
                   <a:schemeClr val="bg2">
-                    <a:lumMod val="50000"/>
+                    <a:lumMod val="25000"/>
                   </a:schemeClr>
                 </a:solidFill>
                 <a:latin typeface="阿里巴巴普惠体 3.0 45 Light" panose="00020600040101010101" charset="-122"/>
                 <a:ea typeface="阿里巴巴普惠体 3.0 45 Light" panose="00020600040101010101" charset="-122"/>
               </a:rPr>
-              <a:t>李承讯未参与</a:t>
+              <a:t>李承讯</a:t>
             </a:r>
             <a:endParaRPr lang="zh-CN" altLang="en-US">
               <a:solidFill>
                 <a:schemeClr val="bg2">
-                  <a:lumMod val="50000"/>
+                  <a:lumMod val="25000"/>
                 </a:schemeClr>
               </a:solidFill>
               <a:latin typeface="阿里巴巴普惠体 3.0 45 Light" panose="00020600040101010101" charset="-122"/>

--- a/downloads/关于对联的那些事.pptx
+++ b/downloads/关于对联的那些事.pptx
@@ -125,7 +125,7 @@
             <a:srgbClr val="A4A3A4"/>
           </p15:clr>
         </p15:guide>
-        <p15:guide id="2" pos="3806" userDrawn="1">
+        <p15:guide id="2" pos="3840" userDrawn="1">
           <p15:clr>
             <a:srgbClr val="A4A3A4"/>
           </p15:clr>
@@ -218,7 +218,7 @@
             <c:bubble3D val="0"/>
             <c:spPr>
               <a:solidFill>
-                <a:schemeClr val="accent1"/>
+                <a:schemeClr val="accent2"/>
               </a:solidFill>
               <a:ln>
                 <a:solidFill>
@@ -233,7 +233,7 @@
             <c:bubble3D val="0"/>
             <c:spPr>
               <a:solidFill>
-                <a:schemeClr val="accent2"/>
+                <a:schemeClr val="accent4"/>
               </a:solidFill>
               <a:ln>
                 <a:solidFill>
@@ -248,7 +248,7 @@
             <c:bubble3D val="0"/>
             <c:spPr>
               <a:solidFill>
-                <a:schemeClr val="accent3"/>
+                <a:schemeClr val="accent6"/>
               </a:solidFill>
               <a:ln>
                 <a:solidFill>
@@ -263,7 +263,9 @@
             <c:bubble3D val="0"/>
             <c:spPr>
               <a:solidFill>
-                <a:schemeClr val="accent4"/>
+                <a:schemeClr val="accent2">
+                  <a:lumMod val="60000"/>
+                </a:schemeClr>
               </a:solidFill>
               <a:ln>
                 <a:solidFill>
@@ -278,7 +280,9 @@
             <c:bubble3D val="0"/>
             <c:spPr>
               <a:solidFill>
-                <a:schemeClr val="accent5"/>
+                <a:schemeClr val="accent4">
+                  <a:lumMod val="60000"/>
+                </a:schemeClr>
               </a:solidFill>
               <a:ln>
                 <a:solidFill>
@@ -293,7 +297,9 @@
             <c:bubble3D val="0"/>
             <c:spPr>
               <a:solidFill>
-                <a:schemeClr val="accent6"/>
+                <a:schemeClr val="accent6">
+                  <a:lumMod val="60000"/>
+                </a:schemeClr>
               </a:solidFill>
               <a:ln>
                 <a:solidFill>
@@ -725,12 +731,9 @@
 </file>
 
 <file path=ppt/charts/colors1.xml><?xml version="1.0" encoding="utf-8"?>
-<cs:colorStyle xmlns:cs="http://schemas.microsoft.com/office/drawing/2012/chartStyle" xmlns:a="http://schemas.openxmlformats.org/drawingml/2006/main" meth="cycle" id="10">
-  <a:schemeClr val="accent1"/>
+<cs:colorStyle xmlns:cs="http://schemas.microsoft.com/office/drawing/2012/chartStyle" xmlns:a="http://schemas.openxmlformats.org/drawingml/2006/main" meth="cycle" id="12">
   <a:schemeClr val="accent2"/>
-  <a:schemeClr val="accent3"/>
   <a:schemeClr val="accent4"/>
-  <a:schemeClr val="accent5"/>
   <a:schemeClr val="accent6"/>
   <cs:variation/>
   <cs:variation>
@@ -7728,11 +7731,7 @@
           </a:prstGeom>
           <a:noFill/>
           <a:ln w="76200">
-            <a:solidFill>
-              <a:schemeClr val="bg2">
-                <a:lumMod val="50000"/>
-              </a:schemeClr>
-            </a:solidFill>
+            <a:noFill/>
             <a:prstDash val="sysDash"/>
           </a:ln>
           <a:effectLst>
@@ -7750,7 +7749,6 @@
           <a:p>
             <a:r>
               <a:rPr lang="zh-CN" altLang="en-US" sz="4400">
-                <a:ln/>
                 <a:gradFill>
                   <a:gsLst>
                     <a:gs pos="0">
@@ -7779,7 +7777,6 @@
               <a:t>燕剪春风裁柳绿</a:t>
             </a:r>
             <a:endParaRPr lang="en-US" altLang="zh-CN" sz="4400">
-              <a:ln/>
               <a:gradFill>
                 <a:gsLst>
                   <a:gs pos="0">
@@ -7807,7 +7804,6 @@
           <a:p>
             <a:r>
               <a:rPr lang="zh-CN" altLang="en-US" sz="4400">
-                <a:ln/>
                 <a:gradFill>
                   <a:gsLst>
                     <a:gs pos="0">
@@ -7836,7 +7832,6 @@
               <a:t>莺啼晓日映桃红</a:t>
             </a:r>
             <a:endParaRPr lang="zh-CN" altLang="en-US" sz="4400">
-              <a:ln/>
               <a:gradFill>
                 <a:gsLst>
                   <a:gs pos="0">
@@ -8687,7 +8682,48 @@
                 <a:ea typeface="仿宋" panose="02010609060101010101" charset="-122"/>
                 <a:sym typeface="+mn-ea"/>
               </a:rPr>
-              <a:t>春联通过简洁且富有寓意的文字传递了人们对美好生活的向往，同时也反映了时代的变迁和社会的发展。</a:t>
+              <a:t>春联通过简洁且富有寓意的文字传递了人们对美好生活的向往，同时也反映了</a:t>
+            </a:r>
+            <a:r>
+              <a:rPr lang="zh-CN" altLang="en-US" sz="2000">
+                <a:solidFill>
+                  <a:schemeClr val="tx1"/>
+                </a:solidFill>
+                <a:latin typeface="仿宋" panose="02010609060101010101" charset="-122"/>
+                <a:ea typeface="仿宋" panose="02010609060101010101" charset="-122"/>
+                <a:sym typeface="+mn-ea"/>
+              </a:rPr>
+              <a:t>时</a:t>
+            </a:r>
+            <a:r>
+              <a:rPr lang="zh-CN" altLang="en-US" sz="2000">
+                <a:solidFill>
+                  <a:schemeClr val="bg1"/>
+                </a:solidFill>
+                <a:latin typeface="仿宋" panose="02010609060101010101" charset="-122"/>
+                <a:ea typeface="仿宋" panose="02010609060101010101" charset="-122"/>
+                <a:sym typeface="+mn-ea"/>
+              </a:rPr>
+              <a:t>代</a:t>
+            </a:r>
+            <a:r>
+              <a:rPr lang="zh-CN" altLang="en-US" sz="2000">
+                <a:solidFill>
+                  <a:schemeClr val="tx1"/>
+                </a:solidFill>
+                <a:latin typeface="仿宋" panose="02010609060101010101" charset="-122"/>
+                <a:ea typeface="仿宋" panose="02010609060101010101" charset="-122"/>
+                <a:sym typeface="+mn-ea"/>
+              </a:rPr>
+              <a:t>的</a:t>
+            </a:r>
+            <a:r>
+              <a:rPr lang="zh-CN" altLang="en-US" sz="2000">
+                <a:latin typeface="仿宋" panose="02010609060101010101" charset="-122"/>
+                <a:ea typeface="仿宋" panose="02010609060101010101" charset="-122"/>
+                <a:sym typeface="+mn-ea"/>
+              </a:rPr>
+              <a:t>变迁和社会的发展。</a:t>
             </a:r>
             <a:endParaRPr lang="zh-CN" altLang="en-US" sz="2000">
               <a:latin typeface="仿宋" panose="02010609060101010101" charset="-122"/>
@@ -8712,10 +8748,20 @@
             </a:pPr>
             <a:r>
               <a:rPr lang="zh-CN" altLang="en-US" sz="2000">
+                <a:solidFill>
+                  <a:schemeClr val="tx1"/>
+                </a:solidFill>
                 <a:latin typeface="仿宋" panose="02010609060101010101" charset="-122"/>
                 <a:ea typeface="仿宋" panose="02010609060101010101" charset="-122"/>
               </a:rPr>
-              <a:t>从桃符驱鬼的古老习俗，演变为雅俗共赏的春节标配，方寸红纸间，凝固着中国人对团圆、昌盛的永恒期盼。</a:t>
+              <a:t>从桃</a:t>
+            </a:r>
+            <a:r>
+              <a:rPr lang="zh-CN" altLang="en-US" sz="2000">
+                <a:latin typeface="仿宋" panose="02010609060101010101" charset="-122"/>
+                <a:ea typeface="仿宋" panose="02010609060101010101" charset="-122"/>
+              </a:rPr>
+              <a:t>符驱鬼的古老习俗，演变为雅俗共赏的春节标配，方寸红纸间，凝固着中国人对团圆、昌盛的永恒期盼。</a:t>
             </a:r>
             <a:endParaRPr lang="zh-CN" altLang="en-US" sz="2000">
               <a:latin typeface="仿宋" panose="02010609060101010101" charset="-122"/>
@@ -8834,7 +8880,7 @@
         </p:nvSpPr>
         <p:spPr>
           <a:xfrm>
-            <a:off x="661035" y="1595120"/>
+            <a:off x="756285" y="1595120"/>
             <a:ext cx="5960110" cy="4107815"/>
           </a:xfrm>
           <a:prstGeom prst="rect">
@@ -9043,7 +9089,26 @@
                 <a:ea typeface="仿宋" panose="02010609060101010101" charset="-122"/>
                 <a:sym typeface="+mn-ea"/>
               </a:rPr>
-              <a:t>如今，中国通过《保护非物质文化遗产公约》框架，已将其纳入</a:t>
+              <a:t>如今，中国通过《保护非物质文化遗产公约》框架</a:t>
+            </a:r>
+            <a:r>
+              <a:rPr lang="zh-CN" altLang="en-US" sz="2000">
+                <a:solidFill>
+                  <a:schemeClr val="tx1"/>
+                </a:solidFill>
+                <a:latin typeface="仿宋" panose="02010609060101010101" charset="-122"/>
+                <a:ea typeface="仿宋" panose="02010609060101010101" charset="-122"/>
+                <a:sym typeface="+mn-ea"/>
+              </a:rPr>
+              <a:t>，</a:t>
+            </a:r>
+            <a:r>
+              <a:rPr lang="zh-CN" altLang="en-US" sz="2000">
+                <a:latin typeface="仿宋" panose="02010609060101010101" charset="-122"/>
+                <a:ea typeface="仿宋" panose="02010609060101010101" charset="-122"/>
+                <a:sym typeface="+mn-ea"/>
+              </a:rPr>
+              <a:t>已将其纳入</a:t>
             </a:r>
             <a:r>
               <a:rPr lang="en-US" altLang="zh-CN" sz="2000">
@@ -9075,7 +9140,26 @@
                 <a:ea typeface="仿宋" panose="02010609060101010101" charset="-122"/>
                 <a:sym typeface="+mn-ea"/>
               </a:rPr>
-              <a:t>的整体保护中。贴春联仍是当今春节传承最广泛的民俗之一。</a:t>
+              <a:t>的整体保护中。</a:t>
+            </a:r>
+            <a:r>
+              <a:rPr lang="zh-CN" altLang="en-US" sz="2000">
+                <a:solidFill>
+                  <a:schemeClr val="bg1"/>
+                </a:solidFill>
+                <a:latin typeface="仿宋" panose="02010609060101010101" charset="-122"/>
+                <a:ea typeface="仿宋" panose="02010609060101010101" charset="-122"/>
+                <a:sym typeface="+mn-ea"/>
+              </a:rPr>
+              <a:t>贴春联</a:t>
+            </a:r>
+            <a:r>
+              <a:rPr lang="zh-CN" altLang="en-US" sz="2000">
+                <a:latin typeface="仿宋" panose="02010609060101010101" charset="-122"/>
+                <a:ea typeface="仿宋" panose="02010609060101010101" charset="-122"/>
+                <a:sym typeface="+mn-ea"/>
+              </a:rPr>
+              <a:t>仍是当今春节传承最广泛的民俗之一。</a:t>
             </a:r>
             <a:endParaRPr lang="zh-CN" altLang="en-US" sz="2000">
               <a:latin typeface="仿宋" panose="02010609060101010101" charset="-122"/>
@@ -9238,63 +9322,6 @@
       <p:grpSpPr/>
       <p:sp>
         <p:nvSpPr>
-          <p:cNvPr id="3" name="标题 2"/>
-          <p:cNvSpPr>
-            <a:spLocks noGrp="1"/>
-          </p:cNvSpPr>
-          <p:nvPr/>
-        </p:nvSpPr>
-        <p:spPr>
-          <a:xfrm>
-            <a:off x="1026795" y="942340"/>
-            <a:ext cx="10162540" cy="4650105"/>
-          </a:xfrm>
-          <a:prstGeom prst="rect">
-            <a:avLst/>
-          </a:prstGeom>
-        </p:spPr>
-        <p:txBody>
-          <a:bodyPr vert="horz" lIns="90000" tIns="46800" rIns="90000" bIns="46800" rtlCol="0" anchor="ctr" anchorCtr="0">
-            <a:noAutofit/>
-          </a:bodyPr>
-          <a:lstStyle>
-            <a:lvl1pPr algn="l" defTabSz="914400" rtl="0" eaLnBrk="1" fontAlgn="auto" latinLnBrk="0" hangingPunct="1">
-              <a:lnSpc>
-                <a:spcPct val="100000"/>
-              </a:lnSpc>
-              <a:spcBef>
-                <a:spcPct val="0"/>
-              </a:spcBef>
-              <a:buNone/>
-              <a:defRPr sz="3600" b="0" u="none" strike="noStrike" kern="1200" cap="none" spc="300" normalizeH="0" baseline="0">
-                <a:solidFill>
-                  <a:schemeClr val="tx1">
-                    <a:lumMod val="85000"/>
-                    <a:lumOff val="15000"/>
-                  </a:schemeClr>
-                </a:solidFill>
-                <a:uFillTx/>
-                <a:latin typeface="+mj-lt"/>
-                <a:ea typeface="+mj-ea"/>
-                <a:cs typeface="+mj-cs"/>
-              </a:defRPr>
-            </a:lvl1pPr>
-          </a:lstStyle>
-          <a:p>
-            <a:pPr indent="457200" algn="l">
-              <a:lnSpc>
-                <a:spcPct val="100000"/>
-              </a:lnSpc>
-            </a:pPr>
-            <a:endParaRPr lang="zh-CN" altLang="en-US" sz="3200">
-              <a:latin typeface="仿宋" panose="02010609060101010101" charset="-122"/>
-              <a:ea typeface="仿宋" panose="02010609060101010101" charset="-122"/>
-            </a:endParaRPr>
-          </a:p>
-        </p:txBody>
-      </p:sp>
-      <p:sp>
-        <p:nvSpPr>
           <p:cNvPr id="2" name="标题 2"/>
           <p:cNvSpPr>
             <a:spLocks noGrp="1"/>
@@ -9303,7 +9330,7 @@
         </p:nvSpPr>
         <p:spPr>
           <a:xfrm>
-            <a:off x="2776220" y="160020"/>
+            <a:off x="5024755" y="160020"/>
             <a:ext cx="6741160" cy="782320"/>
           </a:xfrm>
           <a:prstGeom prst="rect">
@@ -9352,7 +9379,7 @@
           </a:p>
         </p:txBody>
       </p:sp>
-      <p:sp>
+      <p:sp useBgFill="1">
         <p:nvSpPr>
           <p:cNvPr id="6" name="文本框 5"/>
           <p:cNvSpPr txBox="1"/>
@@ -9360,13 +9387,16 @@
         </p:nvSpPr>
         <p:spPr>
           <a:xfrm>
-            <a:off x="2698750" y="942340"/>
+            <a:off x="4947285" y="942340"/>
             <a:ext cx="6818630" cy="5795645"/>
           </a:xfrm>
           <a:prstGeom prst="rect">
             <a:avLst/>
           </a:prstGeom>
-          <a:noFill/>
+          <a:ln w="12700" cmpd="sng">
+            <a:noFill/>
+            <a:prstDash val="lgDashDotDot"/>
+          </a:ln>
         </p:spPr>
         <p:txBody>
           <a:bodyPr wrap="square" rtlCol="0">
@@ -9850,13 +9880,27 @@
             <a:r>
               <a:rPr lang="zh-CN" altLang="en-US" sz="2000">
                 <a:solidFill>
+                  <a:schemeClr val="tx1">
+                    <a:lumMod val="95000"/>
+                    <a:lumOff val="5000"/>
+                  </a:schemeClr>
+                </a:solidFill>
+                <a:latin typeface="仿宋" panose="02010609060101010101" charset="-122"/>
+                <a:ea typeface="仿宋" panose="02010609060101010101" charset="-122"/>
+                <a:cs typeface="仿宋" panose="02010609060101010101" charset="-122"/>
+              </a:rPr>
+              <a:t>横</a:t>
+            </a:r>
+            <a:r>
+              <a:rPr lang="zh-CN" altLang="en-US" sz="2000">
+                <a:solidFill>
                   <a:schemeClr val="tx1"/>
                 </a:solidFill>
                 <a:latin typeface="仿宋" panose="02010609060101010101" charset="-122"/>
                 <a:ea typeface="仿宋" panose="02010609060101010101" charset="-122"/>
                 <a:cs typeface="仿宋" panose="02010609060101010101" charset="-122"/>
               </a:rPr>
-              <a:t>横批从右向左书写</a:t>
+              <a:t>批从右向左书写</a:t>
             </a:r>
             <a:endParaRPr lang="zh-CN" altLang="en-US" sz="2000">
               <a:solidFill>
@@ -9944,9 +9988,47 @@
           </a:p>
         </p:txBody>
       </p:sp>
+      <p:pic>
+        <p:nvPicPr>
+          <p:cNvPr id="5" name="图片 4" descr="微信图片_20250404221839"/>
+          <p:cNvPicPr>
+            <a:picLocks noChangeAspect="1"/>
+          </p:cNvPicPr>
+          <p:nvPr/>
+        </p:nvPicPr>
+        <p:blipFill>
+          <a:blip r:embed="rId1">
+            <a:clrChange>
+              <a:clrFrom>
+                <a:srgbClr val="FFFFFF">
+                  <a:alpha val="100000"/>
+                </a:srgbClr>
+              </a:clrFrom>
+              <a:clrTo>
+                <a:srgbClr val="FFFFFF">
+                  <a:alpha val="100000"/>
+                  <a:alpha val="0"/>
+                </a:srgbClr>
+              </a:clrTo>
+            </a:clrChange>
+          </a:blip>
+          <a:stretch>
+            <a:fillRect/>
+          </a:stretch>
+        </p:blipFill>
+        <p:spPr>
+          <a:xfrm>
+            <a:off x="1133475" y="391795"/>
+            <a:ext cx="3416300" cy="6074410"/>
+          </a:xfrm>
+          <a:prstGeom prst="rect">
+            <a:avLst/>
+          </a:prstGeom>
+        </p:spPr>
+      </p:pic>
     </p:spTree>
     <p:custDataLst>
-      <p:tags r:id="rId1"/>
+      <p:tags r:id="rId2"/>
     </p:custDataLst>
   </p:cSld>
   <p:clrMapOvr>
@@ -10032,7 +10114,7 @@
         </p:nvSpPr>
         <p:spPr>
           <a:xfrm>
-            <a:off x="10116820" y="3352165"/>
+            <a:off x="10102850" y="3352165"/>
             <a:ext cx="1731645" cy="3415030"/>
           </a:xfrm>
           <a:prstGeom prst="rect">
@@ -10081,6 +10163,30 @@
             <a:r>
               <a:rPr lang="zh-CN" altLang="en-US">
                 <a:solidFill>
+                  <a:schemeClr val="tx1"/>
+                </a:solidFill>
+                <a:latin typeface="阿里巴巴普惠体 3.0 45 Light" panose="00020600040101010101" charset="-122"/>
+                <a:ea typeface="阿里巴巴普惠体 3.0 45 Light" panose="00020600040101010101" charset="-122"/>
+              </a:rPr>
+              <a:t>朱勋宇</a:t>
+            </a:r>
+            <a:endParaRPr lang="zh-CN" altLang="en-US">
+              <a:solidFill>
+                <a:schemeClr val="bg1"/>
+              </a:solidFill>
+              <a:latin typeface="阿里巴巴普惠体 3.0 45 Light" panose="00020600040101010101" charset="-122"/>
+              <a:ea typeface="阿里巴巴普惠体 3.0 45 Light" panose="00020600040101010101" charset="-122"/>
+            </a:endParaRPr>
+          </a:p>
+          <a:p>
+            <a:pPr algn="ctr">
+              <a:lnSpc>
+                <a:spcPct val="150000"/>
+              </a:lnSpc>
+            </a:pPr>
+            <a:r>
+              <a:rPr lang="zh-CN" altLang="en-US">
+                <a:solidFill>
                   <a:schemeClr val="bg2">
                     <a:lumMod val="25000"/>
                   </a:schemeClr>
@@ -10088,7 +10194,7 @@
                 <a:latin typeface="阿里巴巴普惠体 3.0 45 Light" panose="00020600040101010101" charset="-122"/>
                 <a:ea typeface="阿里巴巴普惠体 3.0 45 Light" panose="00020600040101010101" charset="-122"/>
               </a:rPr>
-              <a:t>朱勋宇</a:t>
+              <a:t>周轩宇</a:t>
             </a:r>
             <a:endParaRPr lang="zh-CN" altLang="en-US">
               <a:solidFill>
@@ -10116,7 +10222,7 @@
                 <a:latin typeface="阿里巴巴普惠体 3.0 45 Light" panose="00020600040101010101" charset="-122"/>
                 <a:ea typeface="阿里巴巴普惠体 3.0 45 Light" panose="00020600040101010101" charset="-122"/>
               </a:rPr>
-              <a:t>周轩宇</a:t>
+              <a:t>尹梓曦</a:t>
             </a:r>
             <a:endParaRPr lang="zh-CN" altLang="en-US">
               <a:solidFill>
@@ -10144,7 +10250,7 @@
                 <a:latin typeface="阿里巴巴普惠体 3.0 45 Light" panose="00020600040101010101" charset="-122"/>
                 <a:ea typeface="阿里巴巴普惠体 3.0 45 Light" panose="00020600040101010101" charset="-122"/>
               </a:rPr>
-              <a:t>尹梓曦</a:t>
+              <a:t>王妍蕲</a:t>
             </a:r>
             <a:endParaRPr lang="zh-CN" altLang="en-US">
               <a:solidFill>
@@ -10172,24 +10278,8 @@
                 <a:latin typeface="阿里巴巴普惠体 3.0 45 Light" panose="00020600040101010101" charset="-122"/>
                 <a:ea typeface="阿里巴巴普惠体 3.0 45 Light" panose="00020600040101010101" charset="-122"/>
               </a:rPr>
-              <a:t>王妍蕲</a:t>
-            </a:r>
-            <a:endParaRPr lang="zh-CN" altLang="en-US">
-              <a:solidFill>
-                <a:schemeClr val="bg2">
-                  <a:lumMod val="25000"/>
-                </a:schemeClr>
-              </a:solidFill>
-              <a:latin typeface="阿里巴巴普惠体 3.0 45 Light" panose="00020600040101010101" charset="-122"/>
-              <a:ea typeface="阿里巴巴普惠体 3.0 45 Light" panose="00020600040101010101" charset="-122"/>
-            </a:endParaRPr>
-          </a:p>
-          <a:p>
-            <a:pPr algn="ctr">
-              <a:lnSpc>
-                <a:spcPct val="150000"/>
-              </a:lnSpc>
-            </a:pPr>
+              <a:t>张</a:t>
+            </a:r>
             <a:r>
               <a:rPr lang="zh-CN" altLang="en-US">
                 <a:solidFill>
@@ -10200,7 +10290,7 @@
                 <a:latin typeface="阿里巴巴普惠体 3.0 45 Light" panose="00020600040101010101" charset="-122"/>
                 <a:ea typeface="阿里巴巴普惠体 3.0 45 Light" panose="00020600040101010101" charset="-122"/>
               </a:rPr>
-              <a:t>张默</a:t>
+              <a:t>墨</a:t>
             </a:r>
             <a:endParaRPr lang="zh-CN" altLang="en-US">
               <a:solidFill>
